--- a/Travel Of Guardians.pptx
+++ b/Travel Of Guardians.pptx
@@ -12203,7 +12203,7 @@
                   <a:srgbClr val="FFFFFF"/>
                 </a:solidFill>
               </a:rPr>
-              <a:t>Cada guardián tenia los atributos de nombre, poder y maestro.</a:t>
+              <a:t>Cada guardián tenia los atributos de nombre, poder, ciudad y Maestro.</a:t>
             </a:r>
           </a:p>
           <a:p>
@@ -13018,7 +13018,7 @@
           <a:lstStyle/>
           <a:p>
             <a:r>
-              <a:rPr lang="es-MX" sz="2200">
+              <a:rPr lang="es-MX" sz="2200" dirty="0">
                 <a:solidFill>
                   <a:schemeClr val="bg1"/>
                 </a:solidFill>
@@ -13028,7 +13028,7 @@
           </a:p>
           <a:p>
             <a:r>
-              <a:rPr lang="es-MX" sz="2200">
+              <a:rPr lang="es-MX" sz="2200" dirty="0">
                 <a:solidFill>
                   <a:schemeClr val="bg1"/>
                 </a:solidFill>
@@ -13038,7 +13038,7 @@
           </a:p>
           <a:p>
             <a:r>
-              <a:rPr lang="es-MX" sz="2200">
+              <a:rPr lang="es-MX" sz="2200" dirty="0">
                 <a:solidFill>
                   <a:schemeClr val="bg1"/>
                 </a:solidFill>
@@ -13048,7 +13048,7 @@
           </a:p>
           <a:p>
             <a:r>
-              <a:rPr lang="es-MX" sz="2200">
+              <a:rPr lang="es-MX" sz="2200" dirty="0">
                 <a:solidFill>
                   <a:schemeClr val="bg1"/>
                 </a:solidFill>
@@ -13063,9 +13063,9 @@
                   <a:schemeClr val="bg1"/>
                 </a:solidFill>
               </a:rPr>
-              <a:t>Por otra parte, el grafo debe ir acompañado de un matriz de adyacencia o una lista las cuales tienen como función reflejar todos los puntos de conexión entre los datos recibidos. </a:t>
+              <a:t>Por otra parte, el grafo debe ir acompañado de una matriz de adyacencia o una lista las cuales tienen como función reflejar todos los puntos de conexión entre los datos recibidos. </a:t>
             </a:r>
-            <a:endParaRPr lang="es-ES" sz="2200">
+            <a:endParaRPr lang="es-ES" sz="2200" dirty="0">
               <a:solidFill>
                 <a:schemeClr val="bg1"/>
               </a:solidFill>
